--- a/TresEnRaya/esquema funcionamiento.pptx
+++ b/TresEnRaya/esquema funcionamiento.pptx
@@ -104,6 +104,11 @@
       </a:defRPr>
     </a:lvl9pPr>
   </p:defaultTextStyle>
+  <p:extLst>
+    <p:ext uri="{EFAFB233-063F-42B5-8137-9DF3F51BA10A}">
+      <p15:sldGuideLst xmlns:p15="http://schemas.microsoft.com/office/powerpoint/2012/main"/>
+    </p:ext>
+  </p:extLst>
 </p:presentation>
 </file>
 
@@ -238,7 +243,7 @@
           <a:p>
             <a:fld id="{35E44787-86ED-4D4C-8D6C-62DA5B1BDECE}" type="datetimeFigureOut">
               <a:rPr lang="es-BO" smtClean="0"/>
-              <a:t>19/03/2020</a:t>
+              <a:t>23/03/2020</a:t>
             </a:fld>
             <a:endParaRPr lang="es-BO"/>
           </a:p>
@@ -408,7 +413,7 @@
           <a:p>
             <a:fld id="{35E44787-86ED-4D4C-8D6C-62DA5B1BDECE}" type="datetimeFigureOut">
               <a:rPr lang="es-BO" smtClean="0"/>
-              <a:t>19/03/2020</a:t>
+              <a:t>23/03/2020</a:t>
             </a:fld>
             <a:endParaRPr lang="es-BO"/>
           </a:p>
@@ -588,7 +593,7 @@
           <a:p>
             <a:fld id="{35E44787-86ED-4D4C-8D6C-62DA5B1BDECE}" type="datetimeFigureOut">
               <a:rPr lang="es-BO" smtClean="0"/>
-              <a:t>19/03/2020</a:t>
+              <a:t>23/03/2020</a:t>
             </a:fld>
             <a:endParaRPr lang="es-BO"/>
           </a:p>
@@ -758,7 +763,7 @@
           <a:p>
             <a:fld id="{35E44787-86ED-4D4C-8D6C-62DA5B1BDECE}" type="datetimeFigureOut">
               <a:rPr lang="es-BO" smtClean="0"/>
-              <a:t>19/03/2020</a:t>
+              <a:t>23/03/2020</a:t>
             </a:fld>
             <a:endParaRPr lang="es-BO"/>
           </a:p>
@@ -1004,7 +1009,7 @@
           <a:p>
             <a:fld id="{35E44787-86ED-4D4C-8D6C-62DA5B1BDECE}" type="datetimeFigureOut">
               <a:rPr lang="es-BO" smtClean="0"/>
-              <a:t>19/03/2020</a:t>
+              <a:t>23/03/2020</a:t>
             </a:fld>
             <a:endParaRPr lang="es-BO"/>
           </a:p>
@@ -1236,7 +1241,7 @@
           <a:p>
             <a:fld id="{35E44787-86ED-4D4C-8D6C-62DA5B1BDECE}" type="datetimeFigureOut">
               <a:rPr lang="es-BO" smtClean="0"/>
-              <a:t>19/03/2020</a:t>
+              <a:t>23/03/2020</a:t>
             </a:fld>
             <a:endParaRPr lang="es-BO"/>
           </a:p>
@@ -1603,7 +1608,7 @@
           <a:p>
             <a:fld id="{35E44787-86ED-4D4C-8D6C-62DA5B1BDECE}" type="datetimeFigureOut">
               <a:rPr lang="es-BO" smtClean="0"/>
-              <a:t>19/03/2020</a:t>
+              <a:t>23/03/2020</a:t>
             </a:fld>
             <a:endParaRPr lang="es-BO"/>
           </a:p>
@@ -1721,7 +1726,7 @@
           <a:p>
             <a:fld id="{35E44787-86ED-4D4C-8D6C-62DA5B1BDECE}" type="datetimeFigureOut">
               <a:rPr lang="es-BO" smtClean="0"/>
-              <a:t>19/03/2020</a:t>
+              <a:t>23/03/2020</a:t>
             </a:fld>
             <a:endParaRPr lang="es-BO"/>
           </a:p>
@@ -1816,7 +1821,7 @@
           <a:p>
             <a:fld id="{35E44787-86ED-4D4C-8D6C-62DA5B1BDECE}" type="datetimeFigureOut">
               <a:rPr lang="es-BO" smtClean="0"/>
-              <a:t>19/03/2020</a:t>
+              <a:t>23/03/2020</a:t>
             </a:fld>
             <a:endParaRPr lang="es-BO"/>
           </a:p>
@@ -2093,7 +2098,7 @@
           <a:p>
             <a:fld id="{35E44787-86ED-4D4C-8D6C-62DA5B1BDECE}" type="datetimeFigureOut">
               <a:rPr lang="es-BO" smtClean="0"/>
-              <a:t>19/03/2020</a:t>
+              <a:t>23/03/2020</a:t>
             </a:fld>
             <a:endParaRPr lang="es-BO"/>
           </a:p>
@@ -2346,7 +2351,7 @@
           <a:p>
             <a:fld id="{35E44787-86ED-4D4C-8D6C-62DA5B1BDECE}" type="datetimeFigureOut">
               <a:rPr lang="es-BO" smtClean="0"/>
-              <a:t>19/03/2020</a:t>
+              <a:t>23/03/2020</a:t>
             </a:fld>
             <a:endParaRPr lang="es-BO"/>
           </a:p>
@@ -2559,7 +2564,7 @@
           <a:p>
             <a:fld id="{35E44787-86ED-4D4C-8D6C-62DA5B1BDECE}" type="datetimeFigureOut">
               <a:rPr lang="es-BO" smtClean="0"/>
-              <a:t>19/03/2020</a:t>
+              <a:t>23/03/2020</a:t>
             </a:fld>
             <a:endParaRPr lang="es-BO"/>
           </a:p>
@@ -3333,8 +3338,8 @@
         </p:nvSpPr>
         <p:spPr>
           <a:xfrm>
-            <a:off x="4053627" y="898824"/>
-            <a:ext cx="2814033" cy="1477328"/>
+            <a:off x="4143683" y="911003"/>
+            <a:ext cx="2814033" cy="1754326"/>
           </a:xfrm>
           <a:prstGeom prst="rect">
             <a:avLst/>
@@ -3348,19 +3353,23 @@
           <a:lstStyle/>
           <a:p>
             <a:r>
-              <a:rPr lang="es-BO" dirty="0"/>
-              <a:t>m</a:t>
-            </a:r>
-            <a:r>
               <a:rPr lang="es-BO" dirty="0" smtClean="0"/>
-              <a:t>arcar:X:0:0  -&gt;marcar</a:t>
-            </a:r>
+              <a:t>1. iniciar</a:t>
+            </a:r>
+            <a:endParaRPr lang="es-BO" dirty="0"/>
           </a:p>
           <a:p>
             <a:r>
               <a:rPr lang="es-BO" dirty="0" smtClean="0"/>
-              <a:t>iniciar</a:t>
-            </a:r>
+              <a:t>2. marcar:x:0:0</a:t>
+            </a:r>
+          </a:p>
+          <a:p>
+            <a:r>
+              <a:rPr lang="es-BO" dirty="0" smtClean="0"/>
+              <a:t>3. marcaciones</a:t>
+            </a:r>
+            <a:endParaRPr lang="es-BO" dirty="0" smtClean="0"/>
           </a:p>
           <a:p>
             <a:endParaRPr lang="es-BO" dirty="0" smtClean="0"/>
@@ -3381,7 +3390,7 @@
         </p:nvCxnSpPr>
         <p:spPr>
           <a:xfrm flipH="1">
-            <a:off x="3412901" y="4732986"/>
+            <a:off x="2134671" y="6451984"/>
             <a:ext cx="3206840" cy="57954"/>
           </a:xfrm>
           <a:prstGeom prst="straightConnector1">
@@ -3415,7 +3424,7 @@
         <p:spPr>
           <a:xfrm>
             <a:off x="3934495" y="3020095"/>
-            <a:ext cx="2814033" cy="2308324"/>
+            <a:ext cx="2814033" cy="3970318"/>
           </a:xfrm>
           <a:prstGeom prst="rect">
             <a:avLst/>
@@ -3429,12 +3438,35 @@
           <a:lstStyle/>
           <a:p>
             <a:r>
+              <a:rPr lang="es-BO" dirty="0" smtClean="0"/>
+              <a:t>1.</a:t>
+            </a:r>
+          </a:p>
+          <a:p>
+            <a:r>
+              <a:rPr lang="es-BO" dirty="0" smtClean="0"/>
+              <a:t>ok</a:t>
+            </a:r>
+            <a:endParaRPr lang="es-BO" dirty="0" smtClean="0"/>
+          </a:p>
+          <a:p>
+            <a:r>
+              <a:rPr lang="es-BO" dirty="0" smtClean="0"/>
+              <a:t>2.</a:t>
+            </a:r>
+          </a:p>
+          <a:p>
+            <a:r>
               <a:rPr lang="es-BO" dirty="0" err="1" smtClean="0"/>
               <a:t>error:turno</a:t>
             </a:r>
             <a:r>
               <a:rPr lang="es-BO" dirty="0" smtClean="0"/>
-              <a:t> incorrecto</a:t>
+              <a:t> </a:t>
+            </a:r>
+            <a:r>
+              <a:rPr lang="es-BO" dirty="0" smtClean="0"/>
+              <a:t>incorrecto</a:t>
             </a:r>
           </a:p>
           <a:p>
@@ -3466,6 +3498,29 @@
               <a:rPr lang="es-BO" dirty="0" err="1" smtClean="0"/>
               <a:t>continuar:juego</a:t>
             </a:r>
+            <a:endParaRPr lang="es-BO" dirty="0" smtClean="0"/>
+          </a:p>
+          <a:p>
+            <a:r>
+              <a:rPr lang="es-BO" dirty="0" smtClean="0"/>
+              <a:t>3.</a:t>
+            </a:r>
+          </a:p>
+          <a:p>
+            <a:r>
+              <a:rPr lang="es-BO" dirty="0" err="1"/>
+              <a:t>m</a:t>
+            </a:r>
+            <a:r>
+              <a:rPr lang="es-BO" dirty="0" err="1" smtClean="0"/>
+              <a:t>arcas:x</a:t>
+            </a:r>
+            <a:r>
+              <a:rPr lang="es-BO" dirty="0" smtClean="0"/>
+              <a:t>,-,-:-,o-:-,-,-</a:t>
+            </a:r>
+          </a:p>
+          <a:p>
             <a:endParaRPr lang="es-BO" dirty="0" smtClean="0"/>
           </a:p>
           <a:p>
@@ -3974,6 +4029,66 @@
           </a:p>
         </p:txBody>
       </p:sp>
+      <p:sp>
+        <p:nvSpPr>
+          <p:cNvPr id="2" name="CuadroTexto 1"/>
+          <p:cNvSpPr txBox="1"/>
+          <p:nvPr/>
+        </p:nvSpPr>
+        <p:spPr>
+          <a:xfrm>
+            <a:off x="4744232" y="409862"/>
+            <a:ext cx="1194558" cy="369332"/>
+          </a:xfrm>
+          <a:prstGeom prst="rect">
+            <a:avLst/>
+          </a:prstGeom>
+          <a:noFill/>
+        </p:spPr>
+        <p:txBody>
+          <a:bodyPr wrap="none" rtlCol="0">
+            <a:spAutoFit/>
+          </a:bodyPr>
+          <a:lstStyle/>
+          <a:p>
+            <a:r>
+              <a:rPr lang="es-BO" dirty="0" smtClean="0"/>
+              <a:t>Solicitudes</a:t>
+            </a:r>
+            <a:endParaRPr lang="es-BO" dirty="0"/>
+          </a:p>
+        </p:txBody>
+      </p:sp>
+      <p:sp>
+        <p:nvSpPr>
+          <p:cNvPr id="32" name="CuadroTexto 31"/>
+          <p:cNvSpPr txBox="1"/>
+          <p:nvPr/>
+        </p:nvSpPr>
+        <p:spPr>
+          <a:xfrm>
+            <a:off x="4577416" y="2292538"/>
+            <a:ext cx="1232453" cy="369332"/>
+          </a:xfrm>
+          <a:prstGeom prst="rect">
+            <a:avLst/>
+          </a:prstGeom>
+          <a:noFill/>
+        </p:spPr>
+        <p:txBody>
+          <a:bodyPr wrap="none" rtlCol="0">
+            <a:spAutoFit/>
+          </a:bodyPr>
+          <a:lstStyle/>
+          <a:p>
+            <a:r>
+              <a:rPr lang="es-BO" dirty="0" err="1" smtClean="0"/>
+              <a:t>REspuestas</a:t>
+            </a:r>
+            <a:endParaRPr lang="es-BO" dirty="0"/>
+          </a:p>
+        </p:txBody>
+      </p:sp>
     </p:spTree>
     <p:extLst>
       <p:ext uri="{BB962C8B-B14F-4D97-AF65-F5344CB8AC3E}">
@@ -3984,6 +4099,13 @@
   <p:clrMapOvr>
     <a:masterClrMapping/>
   </p:clrMapOvr>
+  <p:timing>
+    <p:tnLst>
+      <p:par>
+        <p:cTn id="1" dur="indefinite" restart="never" nodeType="tmRoot"/>
+      </p:par>
+    </p:tnLst>
+  </p:timing>
 </p:sld>
 </file>
 

--- a/TresEnRaya/esquema funcionamiento.pptx
+++ b/TresEnRaya/esquema funcionamiento.pptx
@@ -6,6 +6,7 @@
   </p:sldMasterIdLst>
   <p:sldIdLst>
     <p:sldId id="256" r:id="rId2"/>
+    <p:sldId id="257" r:id="rId3"/>
   </p:sldIdLst>
   <p:sldSz cx="12192000" cy="6858000"/>
   <p:notesSz cx="6858000" cy="9144000"/>
@@ -3369,7 +3370,6 @@
               <a:rPr lang="es-BO" dirty="0" smtClean="0"/>
               <a:t>3. marcaciones</a:t>
             </a:r>
-            <a:endParaRPr lang="es-BO" dirty="0" smtClean="0"/>
           </a:p>
           <a:p>
             <a:endParaRPr lang="es-BO" dirty="0" smtClean="0"/>
@@ -3447,7 +3447,6 @@
               <a:rPr lang="es-BO" dirty="0" smtClean="0"/>
               <a:t>ok</a:t>
             </a:r>
-            <a:endParaRPr lang="es-BO" dirty="0" smtClean="0"/>
           </a:p>
           <a:p>
             <a:r>
@@ -3462,11 +3461,7 @@
             </a:r>
             <a:r>
               <a:rPr lang="es-BO" dirty="0" smtClean="0"/>
-              <a:t> </a:t>
-            </a:r>
-            <a:r>
-              <a:rPr lang="es-BO" dirty="0" smtClean="0"/>
-              <a:t>incorrecto</a:t>
+              <a:t> incorrecto</a:t>
             </a:r>
           </a:p>
           <a:p>
@@ -4106,6 +4101,590 @@
       </p:par>
     </p:tnLst>
   </p:timing>
+</p:sld>
+</file>
+
+<file path=ppt/slides/slide2.xml><?xml version="1.0" encoding="utf-8"?>
+<p:sld xmlns:a="http://schemas.openxmlformats.org/drawingml/2006/main" xmlns:r="http://schemas.openxmlformats.org/officeDocument/2006/relationships" xmlns:p="http://schemas.openxmlformats.org/presentationml/2006/main">
+  <p:cSld>
+    <p:spTree>
+      <p:nvGrpSpPr>
+        <p:cNvPr id="1" name=""/>
+        <p:cNvGrpSpPr/>
+        <p:nvPr/>
+      </p:nvGrpSpPr>
+      <p:grpSpPr>
+        <a:xfrm>
+          <a:off x="0" y="0"/>
+          <a:ext cx="0" cy="0"/>
+          <a:chOff x="0" y="0"/>
+          <a:chExt cx="0" cy="0"/>
+        </a:xfrm>
+      </p:grpSpPr>
+      <p:cxnSp>
+        <p:nvCxnSpPr>
+          <p:cNvPr id="4" name="Conector recto 3"/>
+          <p:cNvCxnSpPr/>
+          <p:nvPr/>
+        </p:nvCxnSpPr>
+        <p:spPr>
+          <a:xfrm>
+            <a:off x="1184856" y="1081826"/>
+            <a:ext cx="83713" cy="1777285"/>
+          </a:xfrm>
+          <a:prstGeom prst="line">
+            <a:avLst/>
+          </a:prstGeom>
+        </p:spPr>
+        <p:style>
+          <a:lnRef idx="1">
+            <a:schemeClr val="accent1"/>
+          </a:lnRef>
+          <a:fillRef idx="0">
+            <a:schemeClr val="accent1"/>
+          </a:fillRef>
+          <a:effectRef idx="0">
+            <a:schemeClr val="accent1"/>
+          </a:effectRef>
+          <a:fontRef idx="minor">
+            <a:schemeClr val="tx1"/>
+          </a:fontRef>
+        </p:style>
+      </p:cxnSp>
+      <p:cxnSp>
+        <p:nvCxnSpPr>
+          <p:cNvPr id="5" name="Conector recto 4"/>
+          <p:cNvCxnSpPr/>
+          <p:nvPr/>
+        </p:nvCxnSpPr>
+        <p:spPr>
+          <a:xfrm>
+            <a:off x="2009104" y="1081826"/>
+            <a:ext cx="0" cy="1777285"/>
+          </a:xfrm>
+          <a:prstGeom prst="line">
+            <a:avLst/>
+          </a:prstGeom>
+        </p:spPr>
+        <p:style>
+          <a:lnRef idx="1">
+            <a:schemeClr val="accent1"/>
+          </a:lnRef>
+          <a:fillRef idx="0">
+            <a:schemeClr val="accent1"/>
+          </a:fillRef>
+          <a:effectRef idx="0">
+            <a:schemeClr val="accent1"/>
+          </a:effectRef>
+          <a:fontRef idx="minor">
+            <a:schemeClr val="tx1"/>
+          </a:fontRef>
+        </p:style>
+      </p:cxnSp>
+      <p:cxnSp>
+        <p:nvCxnSpPr>
+          <p:cNvPr id="6" name="Conector recto 5"/>
+          <p:cNvCxnSpPr/>
+          <p:nvPr/>
+        </p:nvCxnSpPr>
+        <p:spPr>
+          <a:xfrm>
+            <a:off x="695459" y="1777285"/>
+            <a:ext cx="1906073" cy="0"/>
+          </a:xfrm>
+          <a:prstGeom prst="line">
+            <a:avLst/>
+          </a:prstGeom>
+        </p:spPr>
+        <p:style>
+          <a:lnRef idx="1">
+            <a:schemeClr val="accent1"/>
+          </a:lnRef>
+          <a:fillRef idx="0">
+            <a:schemeClr val="accent1"/>
+          </a:fillRef>
+          <a:effectRef idx="0">
+            <a:schemeClr val="accent1"/>
+          </a:effectRef>
+          <a:fontRef idx="minor">
+            <a:schemeClr val="tx1"/>
+          </a:fontRef>
+        </p:style>
+      </p:cxnSp>
+      <p:cxnSp>
+        <p:nvCxnSpPr>
+          <p:cNvPr id="7" name="Conector recto 6"/>
+          <p:cNvCxnSpPr/>
+          <p:nvPr/>
+        </p:nvCxnSpPr>
+        <p:spPr>
+          <a:xfrm>
+            <a:off x="759853" y="2498502"/>
+            <a:ext cx="1880315" cy="0"/>
+          </a:xfrm>
+          <a:prstGeom prst="line">
+            <a:avLst/>
+          </a:prstGeom>
+        </p:spPr>
+        <p:style>
+          <a:lnRef idx="1">
+            <a:schemeClr val="accent1"/>
+          </a:lnRef>
+          <a:fillRef idx="0">
+            <a:schemeClr val="accent1"/>
+          </a:fillRef>
+          <a:effectRef idx="0">
+            <a:schemeClr val="accent1"/>
+          </a:effectRef>
+          <a:fontRef idx="minor">
+            <a:schemeClr val="tx1"/>
+          </a:fontRef>
+        </p:style>
+      </p:cxnSp>
+      <p:cxnSp>
+        <p:nvCxnSpPr>
+          <p:cNvPr id="9" name="Conector recto 8"/>
+          <p:cNvCxnSpPr/>
+          <p:nvPr/>
+        </p:nvCxnSpPr>
+        <p:spPr>
+          <a:xfrm>
+            <a:off x="5396249" y="1081826"/>
+            <a:ext cx="83713" cy="1777285"/>
+          </a:xfrm>
+          <a:prstGeom prst="line">
+            <a:avLst/>
+          </a:prstGeom>
+        </p:spPr>
+        <p:style>
+          <a:lnRef idx="1">
+            <a:schemeClr val="accent1"/>
+          </a:lnRef>
+          <a:fillRef idx="0">
+            <a:schemeClr val="accent1"/>
+          </a:fillRef>
+          <a:effectRef idx="0">
+            <a:schemeClr val="accent1"/>
+          </a:effectRef>
+          <a:fontRef idx="minor">
+            <a:schemeClr val="tx1"/>
+          </a:fontRef>
+        </p:style>
+      </p:cxnSp>
+      <p:cxnSp>
+        <p:nvCxnSpPr>
+          <p:cNvPr id="10" name="Conector recto 9"/>
+          <p:cNvCxnSpPr/>
+          <p:nvPr/>
+        </p:nvCxnSpPr>
+        <p:spPr>
+          <a:xfrm>
+            <a:off x="6220497" y="1081826"/>
+            <a:ext cx="0" cy="1777285"/>
+          </a:xfrm>
+          <a:prstGeom prst="line">
+            <a:avLst/>
+          </a:prstGeom>
+        </p:spPr>
+        <p:style>
+          <a:lnRef idx="1">
+            <a:schemeClr val="accent1"/>
+          </a:lnRef>
+          <a:fillRef idx="0">
+            <a:schemeClr val="accent1"/>
+          </a:fillRef>
+          <a:effectRef idx="0">
+            <a:schemeClr val="accent1"/>
+          </a:effectRef>
+          <a:fontRef idx="minor">
+            <a:schemeClr val="tx1"/>
+          </a:fontRef>
+        </p:style>
+      </p:cxnSp>
+      <p:cxnSp>
+        <p:nvCxnSpPr>
+          <p:cNvPr id="11" name="Conector recto 10"/>
+          <p:cNvCxnSpPr/>
+          <p:nvPr/>
+        </p:nvCxnSpPr>
+        <p:spPr>
+          <a:xfrm>
+            <a:off x="4906852" y="1777285"/>
+            <a:ext cx="1906073" cy="0"/>
+          </a:xfrm>
+          <a:prstGeom prst="line">
+            <a:avLst/>
+          </a:prstGeom>
+        </p:spPr>
+        <p:style>
+          <a:lnRef idx="1">
+            <a:schemeClr val="accent1"/>
+          </a:lnRef>
+          <a:fillRef idx="0">
+            <a:schemeClr val="accent1"/>
+          </a:fillRef>
+          <a:effectRef idx="0">
+            <a:schemeClr val="accent1"/>
+          </a:effectRef>
+          <a:fontRef idx="minor">
+            <a:schemeClr val="tx1"/>
+          </a:fontRef>
+        </p:style>
+      </p:cxnSp>
+      <p:cxnSp>
+        <p:nvCxnSpPr>
+          <p:cNvPr id="12" name="Conector recto 11"/>
+          <p:cNvCxnSpPr/>
+          <p:nvPr/>
+        </p:nvCxnSpPr>
+        <p:spPr>
+          <a:xfrm>
+            <a:off x="4971246" y="2498502"/>
+            <a:ext cx="1880315" cy="0"/>
+          </a:xfrm>
+          <a:prstGeom prst="line">
+            <a:avLst/>
+          </a:prstGeom>
+        </p:spPr>
+        <p:style>
+          <a:lnRef idx="1">
+            <a:schemeClr val="accent1"/>
+          </a:lnRef>
+          <a:fillRef idx="0">
+            <a:schemeClr val="accent1"/>
+          </a:fillRef>
+          <a:effectRef idx="0">
+            <a:schemeClr val="accent1"/>
+          </a:effectRef>
+          <a:fontRef idx="minor">
+            <a:schemeClr val="tx1"/>
+          </a:fontRef>
+        </p:style>
+      </p:cxnSp>
+      <p:sp>
+        <p:nvSpPr>
+          <p:cNvPr id="15" name="CuadroTexto 14"/>
+          <p:cNvSpPr txBox="1"/>
+          <p:nvPr/>
+        </p:nvSpPr>
+        <p:spPr>
+          <a:xfrm>
+            <a:off x="759853" y="1244890"/>
+            <a:ext cx="304892" cy="369332"/>
+          </a:xfrm>
+          <a:prstGeom prst="rect">
+            <a:avLst/>
+          </a:prstGeom>
+          <a:noFill/>
+        </p:spPr>
+        <p:txBody>
+          <a:bodyPr wrap="none" rtlCol="0">
+            <a:spAutoFit/>
+          </a:bodyPr>
+          <a:lstStyle/>
+          <a:p>
+            <a:r>
+              <a:rPr lang="es-BO" dirty="0" smtClean="0"/>
+              <a:t>X</a:t>
+            </a:r>
+            <a:endParaRPr lang="es-BO" dirty="0"/>
+          </a:p>
+        </p:txBody>
+      </p:sp>
+      <p:sp>
+        <p:nvSpPr>
+          <p:cNvPr id="16" name="CuadroTexto 15"/>
+          <p:cNvSpPr txBox="1"/>
+          <p:nvPr/>
+        </p:nvSpPr>
+        <p:spPr>
+          <a:xfrm>
+            <a:off x="5697783" y="1953228"/>
+            <a:ext cx="304892" cy="369332"/>
+          </a:xfrm>
+          <a:prstGeom prst="rect">
+            <a:avLst/>
+          </a:prstGeom>
+          <a:noFill/>
+        </p:spPr>
+        <p:txBody>
+          <a:bodyPr wrap="none" rtlCol="0">
+            <a:spAutoFit/>
+          </a:bodyPr>
+          <a:lstStyle/>
+          <a:p>
+            <a:r>
+              <a:rPr lang="es-BO" dirty="0" smtClean="0"/>
+              <a:t>0</a:t>
+            </a:r>
+            <a:endParaRPr lang="es-BO" dirty="0"/>
+          </a:p>
+        </p:txBody>
+      </p:sp>
+      <p:sp>
+        <p:nvSpPr>
+          <p:cNvPr id="17" name="CuadroTexto 16"/>
+          <p:cNvSpPr txBox="1"/>
+          <p:nvPr/>
+        </p:nvSpPr>
+        <p:spPr>
+          <a:xfrm>
+            <a:off x="4818800" y="1319982"/>
+            <a:ext cx="304892" cy="369332"/>
+          </a:xfrm>
+          <a:prstGeom prst="rect">
+            <a:avLst/>
+          </a:prstGeom>
+          <a:noFill/>
+        </p:spPr>
+        <p:txBody>
+          <a:bodyPr wrap="none" rtlCol="0">
+            <a:spAutoFit/>
+          </a:bodyPr>
+          <a:lstStyle/>
+          <a:p>
+            <a:r>
+              <a:rPr lang="es-BO" dirty="0" smtClean="0"/>
+              <a:t>X</a:t>
+            </a:r>
+            <a:endParaRPr lang="es-BO" dirty="0"/>
+          </a:p>
+        </p:txBody>
+      </p:sp>
+      <p:sp>
+        <p:nvSpPr>
+          <p:cNvPr id="18" name="CuadroTexto 17"/>
+          <p:cNvSpPr txBox="1"/>
+          <p:nvPr/>
+        </p:nvSpPr>
+        <p:spPr>
+          <a:xfrm>
+            <a:off x="1382240" y="1991865"/>
+            <a:ext cx="304892" cy="369332"/>
+          </a:xfrm>
+          <a:prstGeom prst="rect">
+            <a:avLst/>
+          </a:prstGeom>
+          <a:noFill/>
+        </p:spPr>
+        <p:txBody>
+          <a:bodyPr wrap="none" rtlCol="0">
+            <a:spAutoFit/>
+          </a:bodyPr>
+          <a:lstStyle/>
+          <a:p>
+            <a:r>
+              <a:rPr lang="es-BO" dirty="0" smtClean="0"/>
+              <a:t>0</a:t>
+            </a:r>
+            <a:endParaRPr lang="es-BO" dirty="0"/>
+          </a:p>
+        </p:txBody>
+      </p:sp>
+      <p:cxnSp>
+        <p:nvCxnSpPr>
+          <p:cNvPr id="20" name="Conector recto de flecha 19"/>
+          <p:cNvCxnSpPr/>
+          <p:nvPr/>
+        </p:nvCxnSpPr>
+        <p:spPr>
+          <a:xfrm>
+            <a:off x="2807594" y="759854"/>
+            <a:ext cx="1854558" cy="0"/>
+          </a:xfrm>
+          <a:prstGeom prst="straightConnector1">
+            <a:avLst/>
+          </a:prstGeom>
+          <a:ln>
+            <a:tailEnd type="triangle"/>
+          </a:ln>
+        </p:spPr>
+        <p:style>
+          <a:lnRef idx="1">
+            <a:schemeClr val="accent1"/>
+          </a:lnRef>
+          <a:fillRef idx="0">
+            <a:schemeClr val="accent1"/>
+          </a:fillRef>
+          <a:effectRef idx="0">
+            <a:schemeClr val="accent1"/>
+          </a:effectRef>
+          <a:fontRef idx="minor">
+            <a:schemeClr val="tx1"/>
+          </a:fontRef>
+        </p:style>
+      </p:cxnSp>
+      <p:sp>
+        <p:nvSpPr>
+          <p:cNvPr id="21" name="CuadroTexto 20"/>
+          <p:cNvSpPr txBox="1"/>
+          <p:nvPr/>
+        </p:nvSpPr>
+        <p:spPr>
+          <a:xfrm>
+            <a:off x="1064745" y="540913"/>
+            <a:ext cx="1204689" cy="369332"/>
+          </a:xfrm>
+          <a:prstGeom prst="rect">
+            <a:avLst/>
+          </a:prstGeom>
+          <a:noFill/>
+        </p:spPr>
+        <p:txBody>
+          <a:bodyPr wrap="none" rtlCol="0">
+            <a:spAutoFit/>
+          </a:bodyPr>
+          <a:lstStyle/>
+          <a:p>
+            <a:r>
+              <a:rPr lang="es-BO" dirty="0" err="1" smtClean="0"/>
+              <a:t>Juegador</a:t>
+            </a:r>
+            <a:r>
+              <a:rPr lang="es-BO" dirty="0" smtClean="0"/>
+              <a:t> 1</a:t>
+            </a:r>
+            <a:endParaRPr lang="es-BO" dirty="0"/>
+          </a:p>
+        </p:txBody>
+      </p:sp>
+      <p:sp>
+        <p:nvSpPr>
+          <p:cNvPr id="22" name="CuadroTexto 21"/>
+          <p:cNvSpPr txBox="1"/>
+          <p:nvPr/>
+        </p:nvSpPr>
+        <p:spPr>
+          <a:xfrm>
+            <a:off x="5426346" y="532192"/>
+            <a:ext cx="1204689" cy="369332"/>
+          </a:xfrm>
+          <a:prstGeom prst="rect">
+            <a:avLst/>
+          </a:prstGeom>
+          <a:noFill/>
+        </p:spPr>
+        <p:txBody>
+          <a:bodyPr wrap="none" rtlCol="0">
+            <a:spAutoFit/>
+          </a:bodyPr>
+          <a:lstStyle/>
+          <a:p>
+            <a:r>
+              <a:rPr lang="es-BO" dirty="0" err="1" smtClean="0"/>
+              <a:t>Juegador</a:t>
+            </a:r>
+            <a:r>
+              <a:rPr lang="es-BO" dirty="0" smtClean="0"/>
+              <a:t> 2</a:t>
+            </a:r>
+            <a:endParaRPr lang="es-BO" dirty="0"/>
+          </a:p>
+        </p:txBody>
+      </p:sp>
+      <p:sp>
+        <p:nvSpPr>
+          <p:cNvPr id="23" name="CuadroTexto 22"/>
+          <p:cNvSpPr txBox="1"/>
+          <p:nvPr/>
+        </p:nvSpPr>
+        <p:spPr>
+          <a:xfrm>
+            <a:off x="3496667" y="347526"/>
+            <a:ext cx="476412" cy="369332"/>
+          </a:xfrm>
+          <a:prstGeom prst="rect">
+            <a:avLst/>
+          </a:prstGeom>
+          <a:noFill/>
+        </p:spPr>
+        <p:txBody>
+          <a:bodyPr wrap="none" rtlCol="0">
+            <a:spAutoFit/>
+          </a:bodyPr>
+          <a:lstStyle/>
+          <a:p>
+            <a:r>
+              <a:rPr lang="es-BO" dirty="0" smtClean="0"/>
+              <a:t>0,0</a:t>
+            </a:r>
+            <a:endParaRPr lang="es-BO" dirty="0"/>
+          </a:p>
+        </p:txBody>
+      </p:sp>
+      <p:cxnSp>
+        <p:nvCxnSpPr>
+          <p:cNvPr id="24" name="Conector recto de flecha 23"/>
+          <p:cNvCxnSpPr/>
+          <p:nvPr/>
+        </p:nvCxnSpPr>
+        <p:spPr>
+          <a:xfrm flipH="1">
+            <a:off x="2807594" y="1970468"/>
+            <a:ext cx="1957592" cy="21397"/>
+          </a:xfrm>
+          <a:prstGeom prst="straightConnector1">
+            <a:avLst/>
+          </a:prstGeom>
+          <a:ln>
+            <a:tailEnd type="triangle"/>
+          </a:ln>
+        </p:spPr>
+        <p:style>
+          <a:lnRef idx="1">
+            <a:schemeClr val="accent1"/>
+          </a:lnRef>
+          <a:fillRef idx="0">
+            <a:schemeClr val="accent1"/>
+          </a:fillRef>
+          <a:effectRef idx="0">
+            <a:schemeClr val="accent1"/>
+          </a:effectRef>
+          <a:fontRef idx="minor">
+            <a:schemeClr val="tx1"/>
+          </a:fontRef>
+        </p:style>
+      </p:cxnSp>
+      <p:sp>
+        <p:nvSpPr>
+          <p:cNvPr id="27" name="CuadroTexto 26"/>
+          <p:cNvSpPr txBox="1"/>
+          <p:nvPr/>
+        </p:nvSpPr>
+        <p:spPr>
+          <a:xfrm>
+            <a:off x="3621256" y="1558139"/>
+            <a:ext cx="476412" cy="369332"/>
+          </a:xfrm>
+          <a:prstGeom prst="rect">
+            <a:avLst/>
+          </a:prstGeom>
+          <a:noFill/>
+        </p:spPr>
+        <p:txBody>
+          <a:bodyPr wrap="none" rtlCol="0">
+            <a:spAutoFit/>
+          </a:bodyPr>
+          <a:lstStyle/>
+          <a:p>
+            <a:r>
+              <a:rPr lang="es-BO" dirty="0" smtClean="0"/>
+              <a:t>1,1</a:t>
+            </a:r>
+            <a:endParaRPr lang="es-BO" dirty="0"/>
+          </a:p>
+        </p:txBody>
+      </p:sp>
+    </p:spTree>
+    <p:extLst>
+      <p:ext uri="{BB962C8B-B14F-4D97-AF65-F5344CB8AC3E}">
+        <p14:creationId xmlns:p14="http://schemas.microsoft.com/office/powerpoint/2010/main" val="865640586"/>
+      </p:ext>
+    </p:extLst>
+  </p:cSld>
+  <p:clrMapOvr>
+    <a:masterClrMapping/>
+  </p:clrMapOvr>
 </p:sld>
 </file>
 
